--- a/my_ppts/Presentation_mode_1.pptx
+++ b/my_ppts/Presentation_mode_1.pptx
@@ -3152,7 +3152,7 @@
               </a:defRPr>
             </a:pPr>
             <a:r>
-              <a:t>"Transformer Model: Advancing Sequence Transduction with Self-Attention"</a:t>
+              <a:t>"Transformer: Self-Attention for Improved Sequence Transduction"</a:t>
             </a:r>
           </a:p>
         </p:txBody>
@@ -3166,6 +3166,130 @@
 </file>
 
 <file path=ppt/slides/slide10.xml><?xml version="1.0" encoding="utf-8"?>
+<p:sld xmlns:a="http://schemas.openxmlformats.org/drawingml/2006/main" xmlns:p="http://schemas.openxmlformats.org/presentationml/2006/main" xmlns:r="http://schemas.openxmlformats.org/officeDocument/2006/relationships">
+  <p:cSld>
+    <p:spTree>
+      <p:nvGrpSpPr>
+        <p:cNvPr id="1" name=""/>
+        <p:cNvGrpSpPr/>
+        <p:nvPr/>
+      </p:nvGrpSpPr>
+      <p:grpSpPr/>
+      <p:pic>
+        <p:nvPicPr>
+          <p:cNvPr id="2" name="Picture 1" descr="bg1.png"/>
+          <p:cNvPicPr>
+            <a:picLocks noChangeAspect="1"/>
+          </p:cNvPicPr>
+          <p:nvPr/>
+        </p:nvPicPr>
+        <p:blipFill>
+          <a:blip r:embed="rId2"/>
+          <a:stretch>
+            <a:fillRect/>
+          </a:stretch>
+        </p:blipFill>
+        <p:spPr>
+          <a:xfrm>
+            <a:off x="0" y="0"/>
+            <a:ext cx="9144000" cy="5144400"/>
+          </a:xfrm>
+          <a:prstGeom prst="rect">
+            <a:avLst/>
+          </a:prstGeom>
+        </p:spPr>
+      </p:pic>
+      <p:sp>
+        <p:nvSpPr>
+          <p:cNvPr id="3" name="TextBox 2"/>
+          <p:cNvSpPr txBox="1"/>
+          <p:nvPr/>
+        </p:nvSpPr>
+        <p:spPr>
+          <a:xfrm>
+            <a:off x="968400" y="550800"/>
+            <a:ext cx="6958799" cy="399600"/>
+          </a:xfrm>
+          <a:prstGeom prst="rect">
+            <a:avLst/>
+          </a:prstGeom>
+          <a:noFill/>
+        </p:spPr>
+        <p:txBody>
+          <a:bodyPr wrap="none" anchor="t">
+            <a:spAutoFit/>
+          </a:bodyPr>
+          <a:lstStyle/>
+          <a:p>
+            <a:pPr>
+              <a:defRPr b="1" sz="2000">
+                <a:solidFill>
+                  <a:srgbClr val="000000"/>
+                </a:solidFill>
+                <a:latin typeface="Calibri"/>
+              </a:defRPr>
+            </a:pPr>
+            <a:r>
+              <a:t>Conclusion</a:t>
+            </a:r>
+          </a:p>
+        </p:txBody>
+      </p:sp>
+      <p:sp>
+        <p:nvSpPr>
+          <p:cNvPr id="4" name="TextBox 3"/>
+          <p:cNvSpPr txBox="1"/>
+          <p:nvPr/>
+        </p:nvSpPr>
+        <p:spPr>
+          <a:xfrm>
+            <a:off x="4208400" y="1353600"/>
+            <a:ext cx="4287600" cy="3056400"/>
+          </a:xfrm>
+          <a:prstGeom prst="rect">
+            <a:avLst/>
+          </a:prstGeom>
+          <a:noFill/>
+        </p:spPr>
+        <p:txBody>
+          <a:bodyPr wrap="square" anchor="t">
+            <a:spAutoFit/>
+          </a:bodyPr>
+          <a:lstStyle/>
+          <a:p>
+            <a:pPr>
+              <a:defRPr sz="1200">
+                <a:solidFill>
+                  <a:srgbClr val="000000"/>
+                </a:solidFill>
+                <a:latin typeface="Calibri"/>
+              </a:defRPr>
+            </a:pPr>
+            <a:r>
+              <a:t>- The Transformer revolutionizes sequence modeling, replacing RNNs with faster, simpler attention-based mechanisms.</a:t>
+            </a:r>
+            <a:br/>
+            <a:br/>
+            <a:r>
+              <a:t>- It accelerates training, sets new benchmarks in translation tasks, and shows promise in parsing.</a:t>
+            </a:r>
+            <a:br/>
+            <a:br/>
+            <a:r>
+              <a:t>- Future work may expand its applicability, further enhancing its transformative impact.</a:t>
+            </a:r>
+          </a:p>
+        </p:txBody>
+      </p:sp>
+    </p:spTree>
+  </p:cSld>
+  <p:clrMapOvr>
+    <a:masterClrMapping/>
+  </p:clrMapOvr>
+</p:sld>
+</file>
+
+<file path=ppt/slides/slide2.xml><?xml version="1.0" encoding="utf-8"?>
 <p:sld xmlns:a="http://schemas.openxmlformats.org/drawingml/2006/main" xmlns:p="http://schemas.openxmlformats.org/presentationml/2006/main" xmlns:r="http://schemas.openxmlformats.org/officeDocument/2006/relationships">
   <p:cSld>
     <p:spTree>
@@ -3207,130 +3331,6 @@
         </p:nvSpPr>
         <p:spPr>
           <a:xfrm>
-            <a:off x="968400" y="550800"/>
-            <a:ext cx="6958799" cy="399600"/>
-          </a:xfrm>
-          <a:prstGeom prst="rect">
-            <a:avLst/>
-          </a:prstGeom>
-          <a:noFill/>
-        </p:spPr>
-        <p:txBody>
-          <a:bodyPr wrap="none" anchor="t">
-            <a:spAutoFit/>
-          </a:bodyPr>
-          <a:lstStyle/>
-          <a:p>
-            <a:pPr>
-              <a:defRPr b="1" sz="2000">
-                <a:solidFill>
-                  <a:srgbClr val="000000"/>
-                </a:solidFill>
-                <a:latin typeface="Calibri"/>
-              </a:defRPr>
-            </a:pPr>
-            <a:r>
-              <a:t>Conclusion</a:t>
-            </a:r>
-          </a:p>
-        </p:txBody>
-      </p:sp>
-      <p:sp>
-        <p:nvSpPr>
-          <p:cNvPr id="4" name="TextBox 3"/>
-          <p:cNvSpPr txBox="1"/>
-          <p:nvPr/>
-        </p:nvSpPr>
-        <p:spPr>
-          <a:xfrm>
-            <a:off x="4208400" y="1353600"/>
-            <a:ext cx="4287600" cy="3056400"/>
-          </a:xfrm>
-          <a:prstGeom prst="rect">
-            <a:avLst/>
-          </a:prstGeom>
-          <a:noFill/>
-        </p:spPr>
-        <p:txBody>
-          <a:bodyPr wrap="square" anchor="t">
-            <a:spAutoFit/>
-          </a:bodyPr>
-          <a:lstStyle/>
-          <a:p>
-            <a:pPr>
-              <a:defRPr sz="1200">
-                <a:solidFill>
-                  <a:srgbClr val="000000"/>
-                </a:solidFill>
-                <a:latin typeface="Calibri"/>
-              </a:defRPr>
-            </a:pPr>
-            <a:r>
-              <a:t>- The Transformer revolutionizes sequence modeling, replacing RNNs with faster, simpler attention-based mechanisms.</a:t>
-            </a:r>
-            <a:br/>
-            <a:br/>
-            <a:r>
-              <a:t>- It accelerates training, sets new benchmarks in translation tasks, and shows promise in parsing.</a:t>
-            </a:r>
-            <a:br/>
-            <a:br/>
-            <a:r>
-              <a:t>- Future work may expand its applicability, further enhancing its transformative impact.</a:t>
-            </a:r>
-          </a:p>
-        </p:txBody>
-      </p:sp>
-    </p:spTree>
-  </p:cSld>
-  <p:clrMapOvr>
-    <a:masterClrMapping/>
-  </p:clrMapOvr>
-</p:sld>
-</file>
-
-<file path=ppt/slides/slide2.xml><?xml version="1.0" encoding="utf-8"?>
-<p:sld xmlns:a="http://schemas.openxmlformats.org/drawingml/2006/main" xmlns:p="http://schemas.openxmlformats.org/presentationml/2006/main" xmlns:r="http://schemas.openxmlformats.org/officeDocument/2006/relationships">
-  <p:cSld>
-    <p:spTree>
-      <p:nvGrpSpPr>
-        <p:cNvPr id="1" name=""/>
-        <p:cNvGrpSpPr/>
-        <p:nvPr/>
-      </p:nvGrpSpPr>
-      <p:grpSpPr/>
-      <p:pic>
-        <p:nvPicPr>
-          <p:cNvPr id="2" name="Picture 1" descr="bg1.png"/>
-          <p:cNvPicPr>
-            <a:picLocks noChangeAspect="1"/>
-          </p:cNvPicPr>
-          <p:nvPr/>
-        </p:nvPicPr>
-        <p:blipFill>
-          <a:blip r:embed="rId2"/>
-          <a:stretch>
-            <a:fillRect/>
-          </a:stretch>
-        </p:blipFill>
-        <p:spPr>
-          <a:xfrm>
-            <a:off x="0" y="0"/>
-            <a:ext cx="9144000" cy="5144400"/>
-          </a:xfrm>
-          <a:prstGeom prst="rect">
-            <a:avLst/>
-          </a:prstGeom>
-        </p:spPr>
-      </p:pic>
-      <p:sp>
-        <p:nvSpPr>
-          <p:cNvPr id="3" name="TextBox 2"/>
-          <p:cNvSpPr txBox="1"/>
-          <p:nvPr/>
-        </p:nvSpPr>
-        <p:spPr>
-          <a:xfrm>
             <a:off x="3794399" y="360000"/>
             <a:ext cx="1558800" cy="784800"/>
           </a:xfrm>
@@ -3450,7 +3450,7 @@
       <p:grpSpPr/>
       <p:pic>
         <p:nvPicPr>
-          <p:cNvPr id="2" name="Picture 1" descr="bg2.png"/>
+          <p:cNvPr id="2" name="Picture 1" descr="bg1.png"/>
           <p:cNvPicPr>
             <a:picLocks noChangeAspect="1"/>
           </p:cNvPicPr>
@@ -3727,6 +3727,135 @@
       <p:grpSpPr/>
       <p:pic>
         <p:nvPicPr>
+          <p:cNvPr id="2" name="Picture 1" descr="bg3.png"/>
+          <p:cNvPicPr>
+            <a:picLocks noChangeAspect="1"/>
+          </p:cNvPicPr>
+          <p:nvPr/>
+        </p:nvPicPr>
+        <p:blipFill>
+          <a:blip r:embed="rId2"/>
+          <a:stretch>
+            <a:fillRect/>
+          </a:stretch>
+        </p:blipFill>
+        <p:spPr>
+          <a:xfrm>
+            <a:off x="0" y="0"/>
+            <a:ext cx="9144000" cy="5144400"/>
+          </a:xfrm>
+          <a:prstGeom prst="rect">
+            <a:avLst/>
+          </a:prstGeom>
+        </p:spPr>
+      </p:pic>
+      <p:sp>
+        <p:nvSpPr>
+          <p:cNvPr id="3" name="TextBox 2"/>
+          <p:cNvSpPr txBox="1"/>
+          <p:nvPr/>
+        </p:nvSpPr>
+        <p:spPr>
+          <a:xfrm>
+            <a:off x="968400" y="550800"/>
+            <a:ext cx="6958799" cy="399600"/>
+          </a:xfrm>
+          <a:prstGeom prst="rect">
+            <a:avLst/>
+          </a:prstGeom>
+          <a:noFill/>
+        </p:spPr>
+        <p:txBody>
+          <a:bodyPr wrap="none" anchor="t">
+            <a:spAutoFit/>
+          </a:bodyPr>
+          <a:lstStyle/>
+          <a:p>
+            <a:pPr>
+              <a:defRPr b="1" sz="2000">
+                <a:solidFill>
+                  <a:srgbClr val="000000"/>
+                </a:solidFill>
+                <a:latin typeface="Calibri"/>
+              </a:defRPr>
+            </a:pPr>
+            <a:r>
+              <a:t>Advantages of Self-Attention Mechanisms Over RNNs</a:t>
+            </a:r>
+          </a:p>
+        </p:txBody>
+      </p:sp>
+      <p:sp>
+        <p:nvSpPr>
+          <p:cNvPr id="4" name="TextBox 3"/>
+          <p:cNvSpPr txBox="1"/>
+          <p:nvPr/>
+        </p:nvSpPr>
+        <p:spPr>
+          <a:xfrm>
+            <a:off x="4208400" y="1353600"/>
+            <a:ext cx="4287600" cy="3056400"/>
+          </a:xfrm>
+          <a:prstGeom prst="rect">
+            <a:avLst/>
+          </a:prstGeom>
+          <a:noFill/>
+        </p:spPr>
+        <p:txBody>
+          <a:bodyPr wrap="square" anchor="t">
+            <a:spAutoFit/>
+          </a:bodyPr>
+          <a:lstStyle/>
+          <a:p>
+            <a:pPr>
+              <a:defRPr sz="1200">
+                <a:solidFill>
+                  <a:srgbClr val="000000"/>
+                </a:solidFill>
+                <a:latin typeface="Calibri"/>
+              </a:defRPr>
+            </a:pPr>
+            <a:r>
+              <a:t>- Self-attention reduces sequential computation, allowing parallel processing and faster training.</a:t>
+            </a:r>
+            <a:br/>
+            <a:br/>
+            <a:r>
+              <a:t>- Unlike RNNs, it connects all positions with constant operations, aiding long-distance learning.</a:t>
+            </a:r>
+            <a:br/>
+            <a:br/>
+            <a:r>
+              <a:t>- It improves upon RNNs by enabling direct modeling of dependencies regardless of position distance.</a:t>
+            </a:r>
+            <a:br/>
+            <a:br/>
+            <a:r>
+              <a:t>- The Transformer architecture with self-attention achieves state-of-the-art results in translation tasks.</a:t>
+            </a:r>
+          </a:p>
+        </p:txBody>
+      </p:sp>
+    </p:spTree>
+  </p:cSld>
+  <p:clrMapOvr>
+    <a:masterClrMapping/>
+  </p:clrMapOvr>
+</p:sld>
+</file>
+
+<file path=ppt/slides/slide6.xml><?xml version="1.0" encoding="utf-8"?>
+<p:sld xmlns:a="http://schemas.openxmlformats.org/drawingml/2006/main" xmlns:p="http://schemas.openxmlformats.org/presentationml/2006/main" xmlns:r="http://schemas.openxmlformats.org/officeDocument/2006/relationships">
+  <p:cSld>
+    <p:spTree>
+      <p:nvGrpSpPr>
+        <p:cNvPr id="1" name=""/>
+        <p:cNvGrpSpPr/>
+        <p:nvPr/>
+      </p:nvGrpSpPr>
+      <p:grpSpPr/>
+      <p:pic>
+        <p:nvPicPr>
           <p:cNvPr id="2" name="Picture 1" descr="bg2.png"/>
           <p:cNvPicPr>
             <a:picLocks noChangeAspect="1"/>
@@ -3780,7 +3909,7 @@
               </a:defRPr>
             </a:pPr>
             <a:r>
-              <a:t>Advantages of Self-Attention Mechanisms Over RNNs</a:t>
+              <a:t>Parallelization and Training Efficiency Benefits</a:t>
             </a:r>
           </a:p>
         </p:txBody>
@@ -3816,22 +3945,27 @@
               </a:defRPr>
             </a:pPr>
             <a:r>
-              <a:t>- Self-attention reduces sequential computation, allowing parallel processing and faster training.</a:t>
-            </a:r>
-            <a:br/>
-            <a:br/>
-            <a:r>
-              <a:t>- Unlike RNNs, it connects all positions with constant operations, aiding long-distance learning.</a:t>
-            </a:r>
-            <a:br/>
-            <a:br/>
-            <a:r>
-              <a:t>- It improves upon RNNs by enabling direct modeling of dependencies regardless of position distance.</a:t>
-            </a:r>
-            <a:br/>
-            <a:br/>
-            <a:r>
-              <a:t>- The Transformer architecture with self-attention achieves state-of-the-art results in translation tasks.</a:t>
+              <a:t>- Transformer architecture boosts training efficiency by enabling more parallelization.</a:t>
+            </a:r>
+            <a:br/>
+            <a:br/>
+            <a:r>
+              <a:t>- Eliminates sequential computation, allowing simultaneous processing of data.</a:t>
+            </a:r>
+            <a:br/>
+            <a:br/>
+            <a:r>
+              <a:t>- Reduces training time significantly compared to RNNs or CNNs.</a:t>
+            </a:r>
+            <a:br/>
+            <a:br/>
+            <a:r>
+              <a:t>- Facilitates faster learning of long-range dependencies in data.</a:t>
+            </a:r>
+            <a:br/>
+            <a:br/>
+            <a:r>
+              <a:t>- Enhances model performance with reduced computational resources.</a:t>
             </a:r>
           </a:p>
         </p:txBody>
@@ -3844,7 +3978,7 @@
 </p:sld>
 </file>
 
-<file path=ppt/slides/slide6.xml><?xml version="1.0" encoding="utf-8"?>
+<file path=ppt/slides/slide7.xml><?xml version="1.0" encoding="utf-8"?>
 <p:sld xmlns:a="http://schemas.openxmlformats.org/drawingml/2006/main" xmlns:p="http://schemas.openxmlformats.org/presentationml/2006/main" xmlns:r="http://schemas.openxmlformats.org/officeDocument/2006/relationships">
   <p:cSld>
     <p:spTree>
@@ -3909,140 +4043,6 @@
               </a:defRPr>
             </a:pPr>
             <a:r>
-              <a:t>Parallelization and Training Efficiency Benefits</a:t>
-            </a:r>
-          </a:p>
-        </p:txBody>
-      </p:sp>
-      <p:sp>
-        <p:nvSpPr>
-          <p:cNvPr id="4" name="TextBox 3"/>
-          <p:cNvSpPr txBox="1"/>
-          <p:nvPr/>
-        </p:nvSpPr>
-        <p:spPr>
-          <a:xfrm>
-            <a:off x="4208400" y="1353600"/>
-            <a:ext cx="4287600" cy="3056400"/>
-          </a:xfrm>
-          <a:prstGeom prst="rect">
-            <a:avLst/>
-          </a:prstGeom>
-          <a:noFill/>
-        </p:spPr>
-        <p:txBody>
-          <a:bodyPr wrap="square" anchor="t">
-            <a:spAutoFit/>
-          </a:bodyPr>
-          <a:lstStyle/>
-          <a:p>
-            <a:pPr>
-              <a:defRPr sz="1200">
-                <a:solidFill>
-                  <a:srgbClr val="000000"/>
-                </a:solidFill>
-                <a:latin typeface="Calibri"/>
-              </a:defRPr>
-            </a:pPr>
-            <a:r>
-              <a:t>- Transformer architecture boosts training efficiency by enabling more parallelization.</a:t>
-            </a:r>
-            <a:br/>
-            <a:br/>
-            <a:r>
-              <a:t>- Eliminates sequential computation, allowing simultaneous processing of data.</a:t>
-            </a:r>
-            <a:br/>
-            <a:br/>
-            <a:r>
-              <a:t>- Reduces training time significantly compared to RNNs or CNNs.</a:t>
-            </a:r>
-            <a:br/>
-            <a:br/>
-            <a:r>
-              <a:t>- Facilitates faster learning of long-range dependencies in data.</a:t>
-            </a:r>
-            <a:br/>
-            <a:br/>
-            <a:r>
-              <a:t>- Enhances model performance with reduced computational resources.</a:t>
-            </a:r>
-          </a:p>
-        </p:txBody>
-      </p:sp>
-    </p:spTree>
-  </p:cSld>
-  <p:clrMapOvr>
-    <a:masterClrMapping/>
-  </p:clrMapOvr>
-</p:sld>
-</file>
-
-<file path=ppt/slides/slide7.xml><?xml version="1.0" encoding="utf-8"?>
-<p:sld xmlns:a="http://schemas.openxmlformats.org/drawingml/2006/main" xmlns:p="http://schemas.openxmlformats.org/presentationml/2006/main" xmlns:r="http://schemas.openxmlformats.org/officeDocument/2006/relationships">
-  <p:cSld>
-    <p:spTree>
-      <p:nvGrpSpPr>
-        <p:cNvPr id="1" name=""/>
-        <p:cNvGrpSpPr/>
-        <p:nvPr/>
-      </p:nvGrpSpPr>
-      <p:grpSpPr/>
-      <p:pic>
-        <p:nvPicPr>
-          <p:cNvPr id="2" name="Picture 1" descr="bg3.png"/>
-          <p:cNvPicPr>
-            <a:picLocks noChangeAspect="1"/>
-          </p:cNvPicPr>
-          <p:nvPr/>
-        </p:nvPicPr>
-        <p:blipFill>
-          <a:blip r:embed="rId2"/>
-          <a:stretch>
-            <a:fillRect/>
-          </a:stretch>
-        </p:blipFill>
-        <p:spPr>
-          <a:xfrm>
-            <a:off x="0" y="0"/>
-            <a:ext cx="9144000" cy="5144400"/>
-          </a:xfrm>
-          <a:prstGeom prst="rect">
-            <a:avLst/>
-          </a:prstGeom>
-        </p:spPr>
-      </p:pic>
-      <p:sp>
-        <p:nvSpPr>
-          <p:cNvPr id="3" name="TextBox 2"/>
-          <p:cNvSpPr txBox="1"/>
-          <p:nvPr/>
-        </p:nvSpPr>
-        <p:spPr>
-          <a:xfrm>
-            <a:off x="968400" y="550800"/>
-            <a:ext cx="6958799" cy="399600"/>
-          </a:xfrm>
-          <a:prstGeom prst="rect">
-            <a:avLst/>
-          </a:prstGeom>
-          <a:noFill/>
-        </p:spPr>
-        <p:txBody>
-          <a:bodyPr wrap="none" anchor="t">
-            <a:spAutoFit/>
-          </a:bodyPr>
-          <a:lstStyle/>
-          <a:p>
-            <a:pPr>
-              <a:defRPr b="1" sz="2000">
-                <a:solidFill>
-                  <a:srgbClr val="000000"/>
-                </a:solidFill>
-                <a:latin typeface="Calibri"/>
-              </a:defRPr>
-            </a:pPr>
-            <a:r>
               <a:t>Implementation of Multi-Head Attention</a:t>
             </a:r>
           </a:p>
@@ -4148,7 +4148,7 @@
       <p:grpSpPr/>
       <p:pic>
         <p:nvPicPr>
-          <p:cNvPr id="2" name="Picture 1" descr="bg3.png"/>
+          <p:cNvPr id="2" name="Picture 1" descr="bg1.png"/>
           <p:cNvPicPr>
             <a:picLocks noChangeAspect="1"/>
           </p:cNvPicPr>
@@ -4272,7 +4272,7 @@
       <p:grpSpPr/>
       <p:pic>
         <p:nvPicPr>
-          <p:cNvPr id="2" name="Picture 1" descr="bg3.png"/>
+          <p:cNvPr id="2" name="Picture 1" descr="bg2.png"/>
           <p:cNvPicPr>
             <a:picLocks noChangeAspect="1"/>
           </p:cNvPicPr>
